--- a/spec/fixtures/no_slides.pptx
+++ b/spec/fixtures/no_slides.pptx
@@ -1,7 +1,7 @@
 
 <file path=ppt/presentation.xml><?xml version="1.0" encoding="utf-8"?>
 <p:presentation xmlns:a="http://schemas.openxmlformats.org/drawingml/2006/main" xmlns:r="http://schemas.openxmlformats.org/officeDocument/2006/relationships" xmlns:p="http://schemas.openxmlformats.org/presentationml/2006/main">
-  <p:sldSz cx="12192000" cy="6858000"/>
+  <p:sldSz cx="13004800" cy="9753600"/>
   <p:notesSz cx="6858000" cy="9144000"/>
 </p:presentation>
 </file>
--- a/spec/fixtures/no_slides.pptx
+++ b/spec/fixtures/no_slides.pptx
@@ -1,7 +1,7 @@
 
 <file path=ppt/presentation.xml><?xml version="1.0" encoding="utf-8"?>
 <p:presentation xmlns:a="http://schemas.openxmlformats.org/drawingml/2006/main" xmlns:r="http://schemas.openxmlformats.org/officeDocument/2006/relationships" xmlns:p="http://schemas.openxmlformats.org/presentationml/2006/main">
-  <p:sldSz cx="13004800" cy="9753600"/>
+  <p:sldSz cx="12192000" cy="6858000"/>
   <p:notesSz cx="6858000" cy="9144000"/>
 </p:presentation>
 </file>